--- a/Demo 1/Project Presentation.pptx
+++ b/Demo 1/Project Presentation.pptx
@@ -4,6 +4,9 @@
   <p:sldMasterIdLst>
     <p:sldMasterId id="2147483660" r:id="rId1"/>
   </p:sldMasterIdLst>
+  <p:notesMasterIdLst>
+    <p:notesMasterId r:id="rId9"/>
+  </p:notesMasterIdLst>
   <p:sldIdLst>
     <p:sldId id="256" r:id="rId2"/>
     <p:sldId id="257" r:id="rId3"/>
@@ -416,6 +419,507 @@
 </inkml:ink>
 </file>
 
+<file path=ppt/notesMasters/notesMaster1.xml><?xml version="1.0" encoding="utf-8"?>
+<p:notesMaster xmlns:a="http://schemas.openxmlformats.org/drawingml/2006/main" xmlns:r="http://schemas.openxmlformats.org/officeDocument/2006/relationships" xmlns:p="http://schemas.openxmlformats.org/presentationml/2006/main">
+  <p:cSld>
+    <p:bg>
+      <p:bgRef idx="1001">
+        <a:schemeClr val="bg1"/>
+      </p:bgRef>
+    </p:bg>
+    <p:spTree>
+      <p:nvGrpSpPr>
+        <p:cNvPr id="1" name=""/>
+        <p:cNvGrpSpPr/>
+        <p:nvPr/>
+      </p:nvGrpSpPr>
+      <p:grpSpPr>
+        <a:xfrm>
+          <a:off x="0" y="0"/>
+          <a:ext cx="0" cy="0"/>
+          <a:chOff x="0" y="0"/>
+          <a:chExt cx="0" cy="0"/>
+        </a:xfrm>
+      </p:grpSpPr>
+      <p:sp>
+        <p:nvSpPr>
+          <p:cNvPr id="2" name="Header Placeholder 1"/>
+          <p:cNvSpPr>
+            <a:spLocks noGrp="1"/>
+          </p:cNvSpPr>
+          <p:nvPr>
+            <p:ph type="hdr" sz="quarter"/>
+          </p:nvPr>
+        </p:nvSpPr>
+        <p:spPr>
+          <a:xfrm>
+            <a:off x="0" y="0"/>
+            <a:ext cx="2971800" cy="458788"/>
+          </a:xfrm>
+          <a:prstGeom prst="rect">
+            <a:avLst/>
+          </a:prstGeom>
+        </p:spPr>
+        <p:txBody>
+          <a:bodyPr vert="horz" lIns="91440" tIns="45720" rIns="91440" bIns="45720" rtlCol="0"/>
+          <a:lstStyle>
+            <a:lvl1pPr algn="l">
+              <a:defRPr sz="1200"/>
+            </a:lvl1pPr>
+          </a:lstStyle>
+          <a:p>
+            <a:endParaRPr lang="en-US"/>
+          </a:p>
+        </p:txBody>
+      </p:sp>
+      <p:sp>
+        <p:nvSpPr>
+          <p:cNvPr id="3" name="Date Placeholder 2"/>
+          <p:cNvSpPr>
+            <a:spLocks noGrp="1"/>
+          </p:cNvSpPr>
+          <p:nvPr>
+            <p:ph type="dt" idx="1"/>
+          </p:nvPr>
+        </p:nvSpPr>
+        <p:spPr>
+          <a:xfrm>
+            <a:off x="3884613" y="0"/>
+            <a:ext cx="2971800" cy="458788"/>
+          </a:xfrm>
+          <a:prstGeom prst="rect">
+            <a:avLst/>
+          </a:prstGeom>
+        </p:spPr>
+        <p:txBody>
+          <a:bodyPr vert="horz" lIns="91440" tIns="45720" rIns="91440" bIns="45720" rtlCol="0"/>
+          <a:lstStyle>
+            <a:lvl1pPr algn="r">
+              <a:defRPr sz="1200"/>
+            </a:lvl1pPr>
+          </a:lstStyle>
+          <a:p>
+            <a:fld id="{163D6833-F14F-4C56-B934-E255FE6C362D}" type="datetimeFigureOut">
+              <a:rPr lang="en-US" smtClean="0"/>
+              <a:t>3/16/2022</a:t>
+            </a:fld>
+            <a:endParaRPr lang="en-US"/>
+          </a:p>
+        </p:txBody>
+      </p:sp>
+      <p:sp>
+        <p:nvSpPr>
+          <p:cNvPr id="4" name="Slide Image Placeholder 3"/>
+          <p:cNvSpPr>
+            <a:spLocks noGrp="1" noRot="1" noChangeAspect="1"/>
+          </p:cNvSpPr>
+          <p:nvPr>
+            <p:ph type="sldImg" idx="2"/>
+          </p:nvPr>
+        </p:nvSpPr>
+        <p:spPr>
+          <a:xfrm>
+            <a:off x="685800" y="1143000"/>
+            <a:ext cx="5486400" cy="3086100"/>
+          </a:xfrm>
+          <a:prstGeom prst="rect">
+            <a:avLst/>
+          </a:prstGeom>
+          <a:noFill/>
+          <a:ln w="12700">
+            <a:solidFill>
+              <a:prstClr val="black"/>
+            </a:solidFill>
+          </a:ln>
+        </p:spPr>
+        <p:txBody>
+          <a:bodyPr vert="horz" lIns="91440" tIns="45720" rIns="91440" bIns="45720" rtlCol="0" anchor="ctr"/>
+          <a:lstStyle/>
+          <a:p>
+            <a:endParaRPr lang="en-US"/>
+          </a:p>
+        </p:txBody>
+      </p:sp>
+      <p:sp>
+        <p:nvSpPr>
+          <p:cNvPr id="5" name="Notes Placeholder 4"/>
+          <p:cNvSpPr>
+            <a:spLocks noGrp="1"/>
+          </p:cNvSpPr>
+          <p:nvPr>
+            <p:ph type="body" sz="quarter" idx="3"/>
+          </p:nvPr>
+        </p:nvSpPr>
+        <p:spPr>
+          <a:xfrm>
+            <a:off x="685800" y="4400550"/>
+            <a:ext cx="5486400" cy="3600450"/>
+          </a:xfrm>
+          <a:prstGeom prst="rect">
+            <a:avLst/>
+          </a:prstGeom>
+        </p:spPr>
+        <p:txBody>
+          <a:bodyPr vert="horz" lIns="91440" tIns="45720" rIns="91440" bIns="45720" rtlCol="0"/>
+          <a:lstStyle/>
+          <a:p>
+            <a:pPr lvl="0"/>
+            <a:r>
+              <a:rPr lang="en-US"/>
+              <a:t>Edit Master text styles</a:t>
+            </a:r>
+          </a:p>
+          <a:p>
+            <a:pPr lvl="1"/>
+            <a:r>
+              <a:rPr lang="en-US"/>
+              <a:t>Second level</a:t>
+            </a:r>
+          </a:p>
+          <a:p>
+            <a:pPr lvl="2"/>
+            <a:r>
+              <a:rPr lang="en-US"/>
+              <a:t>Third level</a:t>
+            </a:r>
+          </a:p>
+          <a:p>
+            <a:pPr lvl="3"/>
+            <a:r>
+              <a:rPr lang="en-US"/>
+              <a:t>Fourth level</a:t>
+            </a:r>
+          </a:p>
+          <a:p>
+            <a:pPr lvl="4"/>
+            <a:r>
+              <a:rPr lang="en-US"/>
+              <a:t>Fifth level</a:t>
+            </a:r>
+          </a:p>
+        </p:txBody>
+      </p:sp>
+      <p:sp>
+        <p:nvSpPr>
+          <p:cNvPr id="6" name="Footer Placeholder 5"/>
+          <p:cNvSpPr>
+            <a:spLocks noGrp="1"/>
+          </p:cNvSpPr>
+          <p:nvPr>
+            <p:ph type="ftr" sz="quarter" idx="4"/>
+          </p:nvPr>
+        </p:nvSpPr>
+        <p:spPr>
+          <a:xfrm>
+            <a:off x="0" y="8685213"/>
+            <a:ext cx="2971800" cy="458787"/>
+          </a:xfrm>
+          <a:prstGeom prst="rect">
+            <a:avLst/>
+          </a:prstGeom>
+        </p:spPr>
+        <p:txBody>
+          <a:bodyPr vert="horz" lIns="91440" tIns="45720" rIns="91440" bIns="45720" rtlCol="0" anchor="b"/>
+          <a:lstStyle>
+            <a:lvl1pPr algn="l">
+              <a:defRPr sz="1200"/>
+            </a:lvl1pPr>
+          </a:lstStyle>
+          <a:p>
+            <a:endParaRPr lang="en-US"/>
+          </a:p>
+        </p:txBody>
+      </p:sp>
+      <p:sp>
+        <p:nvSpPr>
+          <p:cNvPr id="7" name="Slide Number Placeholder 6"/>
+          <p:cNvSpPr>
+            <a:spLocks noGrp="1"/>
+          </p:cNvSpPr>
+          <p:nvPr>
+            <p:ph type="sldNum" sz="quarter" idx="5"/>
+          </p:nvPr>
+        </p:nvSpPr>
+        <p:spPr>
+          <a:xfrm>
+            <a:off x="3884613" y="8685213"/>
+            <a:ext cx="2971800" cy="458787"/>
+          </a:xfrm>
+          <a:prstGeom prst="rect">
+            <a:avLst/>
+          </a:prstGeom>
+        </p:spPr>
+        <p:txBody>
+          <a:bodyPr vert="horz" lIns="91440" tIns="45720" rIns="91440" bIns="45720" rtlCol="0" anchor="b"/>
+          <a:lstStyle>
+            <a:lvl1pPr algn="r">
+              <a:defRPr sz="1200"/>
+            </a:lvl1pPr>
+          </a:lstStyle>
+          <a:p>
+            <a:fld id="{623251B3-16B9-429B-80E1-A9463491F382}" type="slidenum">
+              <a:rPr lang="en-US" smtClean="0"/>
+              <a:t>‹#›</a:t>
+            </a:fld>
+            <a:endParaRPr lang="en-US"/>
+          </a:p>
+        </p:txBody>
+      </p:sp>
+    </p:spTree>
+    <p:extLst>
+      <p:ext uri="{BB962C8B-B14F-4D97-AF65-F5344CB8AC3E}">
+        <p14:creationId xmlns:p14="http://schemas.microsoft.com/office/powerpoint/2010/main" val="3623027679"/>
+      </p:ext>
+    </p:extLst>
+  </p:cSld>
+  <p:clrMap bg1="lt1" tx1="dk1" bg2="lt2" tx2="dk2" accent1="accent1" accent2="accent2" accent3="accent3" accent4="accent4" accent5="accent5" accent6="accent6" hlink="hlink" folHlink="folHlink"/>
+  <p:notesStyle>
+    <a:lvl1pPr marL="0" algn="l" defTabSz="914400" rtl="0" eaLnBrk="1" latinLnBrk="0" hangingPunct="1">
+      <a:defRPr sz="1200" kern="1200">
+        <a:solidFill>
+          <a:schemeClr val="tx1"/>
+        </a:solidFill>
+        <a:latin typeface="+mn-lt"/>
+        <a:ea typeface="+mn-ea"/>
+        <a:cs typeface="+mn-cs"/>
+      </a:defRPr>
+    </a:lvl1pPr>
+    <a:lvl2pPr marL="457200" algn="l" defTabSz="914400" rtl="0" eaLnBrk="1" latinLnBrk="0" hangingPunct="1">
+      <a:defRPr sz="1200" kern="1200">
+        <a:solidFill>
+          <a:schemeClr val="tx1"/>
+        </a:solidFill>
+        <a:latin typeface="+mn-lt"/>
+        <a:ea typeface="+mn-ea"/>
+        <a:cs typeface="+mn-cs"/>
+      </a:defRPr>
+    </a:lvl2pPr>
+    <a:lvl3pPr marL="914400" algn="l" defTabSz="914400" rtl="0" eaLnBrk="1" latinLnBrk="0" hangingPunct="1">
+      <a:defRPr sz="1200" kern="1200">
+        <a:solidFill>
+          <a:schemeClr val="tx1"/>
+        </a:solidFill>
+        <a:latin typeface="+mn-lt"/>
+        <a:ea typeface="+mn-ea"/>
+        <a:cs typeface="+mn-cs"/>
+      </a:defRPr>
+    </a:lvl3pPr>
+    <a:lvl4pPr marL="1371600" algn="l" defTabSz="914400" rtl="0" eaLnBrk="1" latinLnBrk="0" hangingPunct="1">
+      <a:defRPr sz="1200" kern="1200">
+        <a:solidFill>
+          <a:schemeClr val="tx1"/>
+        </a:solidFill>
+        <a:latin typeface="+mn-lt"/>
+        <a:ea typeface="+mn-ea"/>
+        <a:cs typeface="+mn-cs"/>
+      </a:defRPr>
+    </a:lvl4pPr>
+    <a:lvl5pPr marL="1828800" algn="l" defTabSz="914400" rtl="0" eaLnBrk="1" latinLnBrk="0" hangingPunct="1">
+      <a:defRPr sz="1200" kern="1200">
+        <a:solidFill>
+          <a:schemeClr val="tx1"/>
+        </a:solidFill>
+        <a:latin typeface="+mn-lt"/>
+        <a:ea typeface="+mn-ea"/>
+        <a:cs typeface="+mn-cs"/>
+      </a:defRPr>
+    </a:lvl5pPr>
+    <a:lvl6pPr marL="2286000" algn="l" defTabSz="914400" rtl="0" eaLnBrk="1" latinLnBrk="0" hangingPunct="1">
+      <a:defRPr sz="1200" kern="1200">
+        <a:solidFill>
+          <a:schemeClr val="tx1"/>
+        </a:solidFill>
+        <a:latin typeface="+mn-lt"/>
+        <a:ea typeface="+mn-ea"/>
+        <a:cs typeface="+mn-cs"/>
+      </a:defRPr>
+    </a:lvl6pPr>
+    <a:lvl7pPr marL="2743200" algn="l" defTabSz="914400" rtl="0" eaLnBrk="1" latinLnBrk="0" hangingPunct="1">
+      <a:defRPr sz="1200" kern="1200">
+        <a:solidFill>
+          <a:schemeClr val="tx1"/>
+        </a:solidFill>
+        <a:latin typeface="+mn-lt"/>
+        <a:ea typeface="+mn-ea"/>
+        <a:cs typeface="+mn-cs"/>
+      </a:defRPr>
+    </a:lvl7pPr>
+    <a:lvl8pPr marL="3200400" algn="l" defTabSz="914400" rtl="0" eaLnBrk="1" latinLnBrk="0" hangingPunct="1">
+      <a:defRPr sz="1200" kern="1200">
+        <a:solidFill>
+          <a:schemeClr val="tx1"/>
+        </a:solidFill>
+        <a:latin typeface="+mn-lt"/>
+        <a:ea typeface="+mn-ea"/>
+        <a:cs typeface="+mn-cs"/>
+      </a:defRPr>
+    </a:lvl8pPr>
+    <a:lvl9pPr marL="3657600" algn="l" defTabSz="914400" rtl="0" eaLnBrk="1" latinLnBrk="0" hangingPunct="1">
+      <a:defRPr sz="1200" kern="1200">
+        <a:solidFill>
+          <a:schemeClr val="tx1"/>
+        </a:solidFill>
+        <a:latin typeface="+mn-lt"/>
+        <a:ea typeface="+mn-ea"/>
+        <a:cs typeface="+mn-cs"/>
+      </a:defRPr>
+    </a:lvl9pPr>
+  </p:notesStyle>
+</p:notesMaster>
+</file>
+
+<file path=ppt/notesSlides/notesSlide1.xml><?xml version="1.0" encoding="utf-8"?>
+<p:notes xmlns:a="http://schemas.openxmlformats.org/drawingml/2006/main" xmlns:r="http://schemas.openxmlformats.org/officeDocument/2006/relationships" xmlns:p="http://schemas.openxmlformats.org/presentationml/2006/main">
+  <p:cSld>
+    <p:spTree>
+      <p:nvGrpSpPr>
+        <p:cNvPr id="1" name=""/>
+        <p:cNvGrpSpPr/>
+        <p:nvPr/>
+      </p:nvGrpSpPr>
+      <p:grpSpPr>
+        <a:xfrm>
+          <a:off x="0" y="0"/>
+          <a:ext cx="0" cy="0"/>
+          <a:chOff x="0" y="0"/>
+          <a:chExt cx="0" cy="0"/>
+        </a:xfrm>
+      </p:grpSpPr>
+      <p:sp>
+        <p:nvSpPr>
+          <p:cNvPr id="2" name="Slide Image Placeholder 1"/>
+          <p:cNvSpPr>
+            <a:spLocks noGrp="1" noRot="1" noChangeAspect="1"/>
+          </p:cNvSpPr>
+          <p:nvPr>
+            <p:ph type="sldImg"/>
+          </p:nvPr>
+        </p:nvSpPr>
+        <p:spPr/>
+      </p:sp>
+      <p:sp>
+        <p:nvSpPr>
+          <p:cNvPr id="3" name="Notes Placeholder 2"/>
+          <p:cNvSpPr>
+            <a:spLocks noGrp="1"/>
+          </p:cNvSpPr>
+          <p:nvPr>
+            <p:ph type="body" idx="1"/>
+          </p:nvPr>
+        </p:nvSpPr>
+        <p:spPr/>
+        <p:txBody>
+          <a:bodyPr/>
+          <a:lstStyle/>
+          <a:p>
+            <a:r>
+              <a:rPr lang="en-US" dirty="0"/>
+              <a:t>We use the </a:t>
+            </a:r>
+            <a:r>
+              <a:rPr lang="en-US" dirty="0" err="1"/>
+              <a:t>Encoder.h</a:t>
+            </a:r>
+            <a:r>
+              <a:rPr lang="en-US" dirty="0"/>
+              <a:t> library to count the number of ticks made by the encoders in the motors/wheels.</a:t>
+            </a:r>
+          </a:p>
+          <a:p>
+            <a:r>
+              <a:rPr lang="en-US" dirty="0"/>
+              <a:t>The variables listed are needed or useful for determining the position. (</a:t>
+            </a:r>
+            <a:r>
+              <a:rPr lang="en-US" dirty="0" err="1"/>
+              <a:t>meterToFeet</a:t>
+            </a:r>
+            <a:r>
+              <a:rPr lang="en-US" dirty="0"/>
+              <a:t> converts a meter measurement to feet. Since we had better precision using metric on the meter stick we measured in metric. Radius and </a:t>
+            </a:r>
+            <a:r>
+              <a:rPr lang="en-US" dirty="0" err="1"/>
+              <a:t>robot_width</a:t>
+            </a:r>
+            <a:r>
+              <a:rPr lang="en-US" dirty="0"/>
+              <a:t> are needed to determine how much the bot has actually moved and turned. </a:t>
+            </a:r>
+            <a:r>
+              <a:rPr lang="en-US" dirty="0" err="1"/>
+              <a:t>Enc_to_rad</a:t>
+            </a:r>
+            <a:r>
+              <a:rPr lang="en-US" dirty="0"/>
+              <a:t> can be used to convert encoder readings into a radian value. Then position variables are initialized to 0.</a:t>
+            </a:r>
+          </a:p>
+          <a:p>
+            <a:r>
+              <a:rPr lang="en-US" dirty="0"/>
+              <a:t>A Wheel structure was made in order to keep code organized. It inherits the properties of an encoder class and adds some functionality to it: orientation interpretation (left side vs right), and variable storage for position interpretation. Two wheel objects are initialized to keep track of the wheels on the robot</a:t>
+            </a:r>
+          </a:p>
+          <a:p>
+            <a:r>
+              <a:rPr lang="en-US" dirty="0"/>
+              <a:t>Our position updates every iteration of void loop(). It takes the displacement made by the left and right wheels since it was last checked and uses these to calculate x and y. x and y are then used to calculate the total displacement made on the robots journey.</a:t>
+            </a:r>
+          </a:p>
+          <a:p>
+            <a:r>
+              <a:rPr lang="en-US" dirty="0"/>
+              <a:t>The phi is determined based on the wheel readings instead of updating. This is because the orientation can be determined solely off of how much each wheel has moved since the program began and leaves less room for any rounding error from update to update.</a:t>
+            </a:r>
+          </a:p>
+          <a:p>
+            <a:endParaRPr lang="en-US" dirty="0"/>
+          </a:p>
+          <a:p>
+            <a:endParaRPr lang="en-US" dirty="0"/>
+          </a:p>
+          <a:p>
+            <a:endParaRPr lang="en-US" dirty="0"/>
+          </a:p>
+        </p:txBody>
+      </p:sp>
+      <p:sp>
+        <p:nvSpPr>
+          <p:cNvPr id="4" name="Slide Number Placeholder 3"/>
+          <p:cNvSpPr>
+            <a:spLocks noGrp="1"/>
+          </p:cNvSpPr>
+          <p:nvPr>
+            <p:ph type="sldNum" sz="quarter" idx="5"/>
+          </p:nvPr>
+        </p:nvSpPr>
+        <p:spPr/>
+        <p:txBody>
+          <a:bodyPr/>
+          <a:lstStyle/>
+          <a:p>
+            <a:fld id="{623251B3-16B9-429B-80E1-A9463491F382}" type="slidenum">
+              <a:rPr lang="en-US" smtClean="0"/>
+              <a:t>5</a:t>
+            </a:fld>
+            <a:endParaRPr lang="en-US"/>
+          </a:p>
+        </p:txBody>
+      </p:sp>
+    </p:spTree>
+    <p:extLst>
+      <p:ext uri="{BB962C8B-B14F-4D97-AF65-F5344CB8AC3E}">
+        <p14:creationId xmlns:p14="http://schemas.microsoft.com/office/powerpoint/2010/main" val="3947180218"/>
+      </p:ext>
+    </p:extLst>
+  </p:cSld>
+  <p:clrMapOvr>
+    <a:masterClrMapping/>
+  </p:clrMapOvr>
+</p:notes>
+</file>
+
 <file path=ppt/slideLayouts/slideLayout1.xml><?xml version="1.0" encoding="utf-8"?>
 <p:sldLayout xmlns:a="http://schemas.openxmlformats.org/drawingml/2006/main" xmlns:r="http://schemas.openxmlformats.org/officeDocument/2006/relationships" xmlns:p="http://schemas.openxmlformats.org/presentationml/2006/main" type="title" preserve="1">
   <p:cSld name="Title Slide">
@@ -645,7 +1149,7 @@
           <a:p>
             <a:fld id="{F75296F6-B434-4A08-A2C4-AE6E06E68127}" type="datetimeFigureOut">
               <a:rPr lang="en-US" smtClean="0"/>
-              <a:t>3/15/2022</a:t>
+              <a:t>3/16/2022</a:t>
             </a:fld>
             <a:endParaRPr lang="en-US"/>
           </a:p>
@@ -979,7 +1483,7 @@
           <a:p>
             <a:fld id="{F75296F6-B434-4A08-A2C4-AE6E06E68127}" type="datetimeFigureOut">
               <a:rPr lang="en-US" smtClean="0"/>
-              <a:t>3/15/2022</a:t>
+              <a:t>3/16/2022</a:t>
             </a:fld>
             <a:endParaRPr lang="en-US"/>
           </a:p>
@@ -1257,7 +1761,7 @@
           <a:p>
             <a:fld id="{F75296F6-B434-4A08-A2C4-AE6E06E68127}" type="datetimeFigureOut">
               <a:rPr lang="en-US" smtClean="0"/>
-              <a:t>3/15/2022</a:t>
+              <a:t>3/16/2022</a:t>
             </a:fld>
             <a:endParaRPr lang="en-US"/>
           </a:p>
@@ -1825,7 +2329,7 @@
           <a:p>
             <a:fld id="{F75296F6-B434-4A08-A2C4-AE6E06E68127}" type="datetimeFigureOut">
               <a:rPr lang="en-US" smtClean="0"/>
-              <a:t>3/15/2022</a:t>
+              <a:t>3/16/2022</a:t>
             </a:fld>
             <a:endParaRPr lang="en-US"/>
           </a:p>
@@ -2103,7 +2607,7 @@
           <a:p>
             <a:fld id="{F75296F6-B434-4A08-A2C4-AE6E06E68127}" type="datetimeFigureOut">
               <a:rPr lang="en-US" smtClean="0"/>
-              <a:t>3/15/2022</a:t>
+              <a:t>3/16/2022</a:t>
             </a:fld>
             <a:endParaRPr lang="en-US"/>
           </a:p>
@@ -2665,7 +3169,7 @@
           <a:p>
             <a:fld id="{F75296F6-B434-4A08-A2C4-AE6E06E68127}" type="datetimeFigureOut">
               <a:rPr lang="en-US" smtClean="0"/>
-              <a:t>3/15/2022</a:t>
+              <a:t>3/16/2022</a:t>
             </a:fld>
             <a:endParaRPr lang="en-US"/>
           </a:p>
@@ -2992,7 +3496,7 @@
           <a:p>
             <a:fld id="{F75296F6-B434-4A08-A2C4-AE6E06E68127}" type="datetimeFigureOut">
               <a:rPr lang="en-US" smtClean="0"/>
-              <a:t>3/15/2022</a:t>
+              <a:t>3/16/2022</a:t>
             </a:fld>
             <a:endParaRPr lang="en-US"/>
           </a:p>
@@ -3169,7 +3673,7 @@
           <a:p>
             <a:fld id="{F75296F6-B434-4A08-A2C4-AE6E06E68127}" type="datetimeFigureOut">
               <a:rPr lang="en-US" smtClean="0"/>
-              <a:t>3/15/2022</a:t>
+              <a:t>3/16/2022</a:t>
             </a:fld>
             <a:endParaRPr lang="en-US"/>
           </a:p>
@@ -3407,7 +3911,7 @@
           <a:p>
             <a:fld id="{F75296F6-B434-4A08-A2C4-AE6E06E68127}" type="datetimeFigureOut">
               <a:rPr lang="en-US" smtClean="0"/>
-              <a:t>3/15/2022</a:t>
+              <a:t>3/16/2022</a:t>
             </a:fld>
             <a:endParaRPr lang="en-US"/>
           </a:p>
@@ -3607,7 +4111,7 @@
           <a:p>
             <a:fld id="{F75296F6-B434-4A08-A2C4-AE6E06E68127}" type="datetimeFigureOut">
               <a:rPr lang="en-US" smtClean="0"/>
-              <a:t>3/15/2022</a:t>
+              <a:t>3/16/2022</a:t>
             </a:fld>
             <a:endParaRPr lang="en-US"/>
           </a:p>
@@ -3883,7 +4387,7 @@
           <a:p>
             <a:fld id="{F75296F6-B434-4A08-A2C4-AE6E06E68127}" type="datetimeFigureOut">
               <a:rPr lang="en-US" smtClean="0"/>
-              <a:t>3/15/2022</a:t>
+              <a:t>3/16/2022</a:t>
             </a:fld>
             <a:endParaRPr lang="en-US"/>
           </a:p>
@@ -4149,7 +4653,7 @@
           <a:p>
             <a:fld id="{F75296F6-B434-4A08-A2C4-AE6E06E68127}" type="datetimeFigureOut">
               <a:rPr lang="en-US" smtClean="0"/>
-              <a:t>3/15/2022</a:t>
+              <a:t>3/16/2022</a:t>
             </a:fld>
             <a:endParaRPr lang="en-US"/>
           </a:p>
@@ -4523,7 +5027,7 @@
           <a:p>
             <a:fld id="{F75296F6-B434-4A08-A2C4-AE6E06E68127}" type="datetimeFigureOut">
               <a:rPr lang="en-US" smtClean="0"/>
-              <a:t>3/15/2022</a:t>
+              <a:t>3/16/2022</a:t>
             </a:fld>
             <a:endParaRPr lang="en-US"/>
           </a:p>
@@ -4671,7 +5175,7 @@
           <a:p>
             <a:fld id="{F75296F6-B434-4A08-A2C4-AE6E06E68127}" type="datetimeFigureOut">
               <a:rPr lang="en-US" smtClean="0"/>
-              <a:t>3/15/2022</a:t>
+              <a:t>3/16/2022</a:t>
             </a:fld>
             <a:endParaRPr lang="en-US"/>
           </a:p>
@@ -4796,7 +5300,7 @@
           <a:p>
             <a:fld id="{F75296F6-B434-4A08-A2C4-AE6E06E68127}" type="datetimeFigureOut">
               <a:rPr lang="en-US" smtClean="0"/>
-              <a:t>3/15/2022</a:t>
+              <a:t>3/16/2022</a:t>
             </a:fld>
             <a:endParaRPr lang="en-US"/>
           </a:p>
@@ -5081,7 +5585,7 @@
           <a:p>
             <a:fld id="{F75296F6-B434-4A08-A2C4-AE6E06E68127}" type="datetimeFigureOut">
               <a:rPr lang="en-US" smtClean="0"/>
-              <a:t>3/15/2022</a:t>
+              <a:t>3/16/2022</a:t>
             </a:fld>
             <a:endParaRPr lang="en-US"/>
           </a:p>
@@ -5405,7 +5909,7 @@
           <a:p>
             <a:fld id="{F75296F6-B434-4A08-A2C4-AE6E06E68127}" type="datetimeFigureOut">
               <a:rPr lang="en-US" smtClean="0"/>
-              <a:t>3/15/2022</a:t>
+              <a:t>3/16/2022</a:t>
             </a:fld>
             <a:endParaRPr lang="en-US"/>
           </a:p>
@@ -5619,7 +6123,7 @@
           <a:p>
             <a:fld id="{F75296F6-B434-4A08-A2C4-AE6E06E68127}" type="datetimeFigureOut">
               <a:rPr lang="en-US" smtClean="0"/>
-              <a:t>3/15/2022</a:t>
+              <a:t>3/16/2022</a:t>
             </a:fld>
             <a:endParaRPr lang="en-US"/>
           </a:p>
@@ -6585,10 +7089,105 @@
           <a:bodyPr/>
           <a:lstStyle/>
           <a:p>
-            <a:endParaRPr lang="en-US"/>
-          </a:p>
-        </p:txBody>
-      </p:sp>
+            <a:r>
+              <a:rPr lang="en-US" dirty="0" err="1"/>
+              <a:t>Encoder.h</a:t>
+            </a:r>
+            <a:endParaRPr lang="en-US" dirty="0"/>
+          </a:p>
+          <a:p>
+            <a:r>
+              <a:rPr lang="en-US" dirty="0"/>
+              <a:t>Useful constants</a:t>
+            </a:r>
+          </a:p>
+          <a:p>
+            <a:r>
+              <a:rPr lang="en-US" dirty="0"/>
+              <a:t>Wheel Setup</a:t>
+            </a:r>
+          </a:p>
+          <a:p>
+            <a:r>
+              <a:rPr lang="en-US" dirty="0"/>
+              <a:t>Encoder Interpretation</a:t>
+            </a:r>
+          </a:p>
+          <a:p>
+            <a:r>
+              <a:rPr lang="en-US" dirty="0"/>
+              <a:t>Position</a:t>
+            </a:r>
+          </a:p>
+          <a:p>
+            <a:pPr lvl="1"/>
+            <a:r>
+              <a:rPr lang="en-US" dirty="0"/>
+              <a:t>X, Y, Phi, R</a:t>
+            </a:r>
+          </a:p>
+        </p:txBody>
+      </p:sp>
+      <p:pic>
+        <p:nvPicPr>
+          <p:cNvPr id="4" name="Picture 3">
+            <a:extLst>
+              <a:ext uri="{FF2B5EF4-FFF2-40B4-BE49-F238E27FC236}">
+                <a16:creationId xmlns:a16="http://schemas.microsoft.com/office/drawing/2014/main" id="{0AC29936-C05D-4A55-912A-392434A2ABE8}"/>
+              </a:ext>
+            </a:extLst>
+          </p:cNvPr>
+          <p:cNvPicPr>
+            <a:picLocks noChangeAspect="1"/>
+          </p:cNvPicPr>
+          <p:nvPr/>
+        </p:nvPicPr>
+        <p:blipFill>
+          <a:blip r:embed="rId3"/>
+          <a:stretch>
+            <a:fillRect/>
+          </a:stretch>
+        </p:blipFill>
+        <p:spPr>
+          <a:xfrm>
+            <a:off x="4848088" y="17219"/>
+            <a:ext cx="5509718" cy="4764331"/>
+          </a:xfrm>
+          <a:prstGeom prst="rect">
+            <a:avLst/>
+          </a:prstGeom>
+        </p:spPr>
+      </p:pic>
+      <p:pic>
+        <p:nvPicPr>
+          <p:cNvPr id="5" name="Picture 4">
+            <a:extLst>
+              <a:ext uri="{FF2B5EF4-FFF2-40B4-BE49-F238E27FC236}">
+                <a16:creationId xmlns:a16="http://schemas.microsoft.com/office/drawing/2014/main" id="{F45C8727-A2D4-41E9-BE3B-24854970588B}"/>
+              </a:ext>
+            </a:extLst>
+          </p:cNvPr>
+          <p:cNvPicPr>
+            <a:picLocks noChangeAspect="1"/>
+          </p:cNvPicPr>
+          <p:nvPr/>
+        </p:nvPicPr>
+        <p:blipFill>
+          <a:blip r:embed="rId4"/>
+          <a:stretch>
+            <a:fillRect/>
+          </a:stretch>
+        </p:blipFill>
+        <p:spPr>
+          <a:xfrm>
+            <a:off x="4063932" y="4781550"/>
+            <a:ext cx="6524625" cy="2019300"/>
+          </a:xfrm>
+          <a:prstGeom prst="rect">
+            <a:avLst/>
+          </a:prstGeom>
+        </p:spPr>
+      </p:pic>
     </p:spTree>
     <p:extLst>
       <p:ext uri="{BB962C8B-B14F-4D97-AF65-F5344CB8AC3E}">
@@ -7123,4 +7722,299 @@
     </a:ext>
   </a:extLst>
 </a:theme>
+</file>
+
+<file path=ppt/theme/theme2.xml><?xml version="1.0" encoding="utf-8"?>
+<a:theme xmlns:a="http://schemas.openxmlformats.org/drawingml/2006/main" name="Office Theme">
+  <a:themeElements>
+    <a:clrScheme name="Office">
+      <a:dk1>
+        <a:sysClr val="windowText" lastClr="000000"/>
+      </a:dk1>
+      <a:lt1>
+        <a:sysClr val="window" lastClr="FFFFFF"/>
+      </a:lt1>
+      <a:dk2>
+        <a:srgbClr val="44546A"/>
+      </a:dk2>
+      <a:lt2>
+        <a:srgbClr val="E7E6E6"/>
+      </a:lt2>
+      <a:accent1>
+        <a:srgbClr val="4472C4"/>
+      </a:accent1>
+      <a:accent2>
+        <a:srgbClr val="ED7D31"/>
+      </a:accent2>
+      <a:accent3>
+        <a:srgbClr val="A5A5A5"/>
+      </a:accent3>
+      <a:accent4>
+        <a:srgbClr val="FFC000"/>
+      </a:accent4>
+      <a:accent5>
+        <a:srgbClr val="5B9BD5"/>
+      </a:accent5>
+      <a:accent6>
+        <a:srgbClr val="70AD47"/>
+      </a:accent6>
+      <a:hlink>
+        <a:srgbClr val="0563C1"/>
+      </a:hlink>
+      <a:folHlink>
+        <a:srgbClr val="954F72"/>
+      </a:folHlink>
+    </a:clrScheme>
+    <a:fontScheme name="Office">
+      <a:majorFont>
+        <a:latin typeface="Calibri Light" panose="020F0302020204030204"/>
+        <a:ea typeface=""/>
+        <a:cs typeface=""/>
+        <a:font script="Jpan" typeface="游ゴシック Light"/>
+        <a:font script="Hang" typeface="맑은 고딕"/>
+        <a:font script="Hans" typeface="等线 Light"/>
+        <a:font script="Hant" typeface="新細明體"/>
+        <a:font script="Arab" typeface="Times New Roman"/>
+        <a:font script="Hebr" typeface="Times New Roman"/>
+        <a:font script="Thai" typeface="Angsana New"/>
+        <a:font script="Ethi" typeface="Nyala"/>
+        <a:font script="Beng" typeface="Vrinda"/>
+        <a:font script="Gujr" typeface="Shruti"/>
+        <a:font script="Khmr" typeface="MoolBoran"/>
+        <a:font script="Knda" typeface="Tunga"/>
+        <a:font script="Guru" typeface="Raavi"/>
+        <a:font script="Cans" typeface="Euphemia"/>
+        <a:font script="Cher" typeface="Plantagenet Cherokee"/>
+        <a:font script="Yiii" typeface="Microsoft Yi Baiti"/>
+        <a:font script="Tibt" typeface="Microsoft Himalaya"/>
+        <a:font script="Thaa" typeface="MV Boli"/>
+        <a:font script="Deva" typeface="Mangal"/>
+        <a:font script="Telu" typeface="Gautami"/>
+        <a:font script="Taml" typeface="Latha"/>
+        <a:font script="Syrc" typeface="Estrangelo Edessa"/>
+        <a:font script="Orya" typeface="Kalinga"/>
+        <a:font script="Mlym" typeface="Kartika"/>
+        <a:font script="Laoo" typeface="DokChampa"/>
+        <a:font script="Sinh" typeface="Iskoola Pota"/>
+        <a:font script="Mong" typeface="Mongolian Baiti"/>
+        <a:font script="Viet" typeface="Times New Roman"/>
+        <a:font script="Uigh" typeface="Microsoft Uighur"/>
+        <a:font script="Geor" typeface="Sylfaen"/>
+        <a:font script="Armn" typeface="Arial"/>
+        <a:font script="Bugi" typeface="Leelawadee UI"/>
+        <a:font script="Bopo" typeface="Microsoft JhengHei"/>
+        <a:font script="Java" typeface="Javanese Text"/>
+        <a:font script="Lisu" typeface="Segoe UI"/>
+        <a:font script="Mymr" typeface="Myanmar Text"/>
+        <a:font script="Nkoo" typeface="Ebrima"/>
+        <a:font script="Olck" typeface="Nirmala UI"/>
+        <a:font script="Osma" typeface="Ebrima"/>
+        <a:font script="Phag" typeface="Phagspa"/>
+        <a:font script="Syrn" typeface="Estrangelo Edessa"/>
+        <a:font script="Syrj" typeface="Estrangelo Edessa"/>
+        <a:font script="Syre" typeface="Estrangelo Edessa"/>
+        <a:font script="Sora" typeface="Nirmala UI"/>
+        <a:font script="Tale" typeface="Microsoft Tai Le"/>
+        <a:font script="Talu" typeface="Microsoft New Tai Lue"/>
+        <a:font script="Tfng" typeface="Ebrima"/>
+      </a:majorFont>
+      <a:minorFont>
+        <a:latin typeface="Calibri" panose="020F0502020204030204"/>
+        <a:ea typeface=""/>
+        <a:cs typeface=""/>
+        <a:font script="Jpan" typeface="游ゴシック"/>
+        <a:font script="Hang" typeface="맑은 고딕"/>
+        <a:font script="Hans" typeface="等线"/>
+        <a:font script="Hant" typeface="新細明體"/>
+        <a:font script="Arab" typeface="Arial"/>
+        <a:font script="Hebr" typeface="Arial"/>
+        <a:font script="Thai" typeface="Cordia New"/>
+        <a:font script="Ethi" typeface="Nyala"/>
+        <a:font script="Beng" typeface="Vrinda"/>
+        <a:font script="Gujr" typeface="Shruti"/>
+        <a:font script="Khmr" typeface="DaunPenh"/>
+        <a:font script="Knda" typeface="Tunga"/>
+        <a:font script="Guru" typeface="Raavi"/>
+        <a:font script="Cans" typeface="Euphemia"/>
+        <a:font script="Cher" typeface="Plantagenet Cherokee"/>
+        <a:font script="Yiii" typeface="Microsoft Yi Baiti"/>
+        <a:font script="Tibt" typeface="Microsoft Himalaya"/>
+        <a:font script="Thaa" typeface="MV Boli"/>
+        <a:font script="Deva" typeface="Mangal"/>
+        <a:font script="Telu" typeface="Gautami"/>
+        <a:font script="Taml" typeface="Latha"/>
+        <a:font script="Syrc" typeface="Estrangelo Edessa"/>
+        <a:font script="Orya" typeface="Kalinga"/>
+        <a:font script="Mlym" typeface="Kartika"/>
+        <a:font script="Laoo" typeface="DokChampa"/>
+        <a:font script="Sinh" typeface="Iskoola Pota"/>
+        <a:font script="Mong" typeface="Mongolian Baiti"/>
+        <a:font script="Viet" typeface="Arial"/>
+        <a:font script="Uigh" typeface="Microsoft Uighur"/>
+        <a:font script="Geor" typeface="Sylfaen"/>
+        <a:font script="Armn" typeface="Arial"/>
+        <a:font script="Bugi" typeface="Leelawadee UI"/>
+        <a:font script="Bopo" typeface="Microsoft JhengHei"/>
+        <a:font script="Java" typeface="Javanese Text"/>
+        <a:font script="Lisu" typeface="Segoe UI"/>
+        <a:font script="Mymr" typeface="Myanmar Text"/>
+        <a:font script="Nkoo" typeface="Ebrima"/>
+        <a:font script="Olck" typeface="Nirmala UI"/>
+        <a:font script="Osma" typeface="Ebrima"/>
+        <a:font script="Phag" typeface="Phagspa"/>
+        <a:font script="Syrn" typeface="Estrangelo Edessa"/>
+        <a:font script="Syrj" typeface="Estrangelo Edessa"/>
+        <a:font script="Syre" typeface="Estrangelo Edessa"/>
+        <a:font script="Sora" typeface="Nirmala UI"/>
+        <a:font script="Tale" typeface="Microsoft Tai Le"/>
+        <a:font script="Talu" typeface="Microsoft New Tai Lue"/>
+        <a:font script="Tfng" typeface="Ebrima"/>
+      </a:minorFont>
+    </a:fontScheme>
+    <a:fmtScheme name="Office">
+      <a:fillStyleLst>
+        <a:solidFill>
+          <a:schemeClr val="phClr"/>
+        </a:solidFill>
+        <a:gradFill rotWithShape="1">
+          <a:gsLst>
+            <a:gs pos="0">
+              <a:schemeClr val="phClr">
+                <a:lumMod val="110000"/>
+                <a:satMod val="105000"/>
+                <a:tint val="67000"/>
+              </a:schemeClr>
+            </a:gs>
+            <a:gs pos="50000">
+              <a:schemeClr val="phClr">
+                <a:lumMod val="105000"/>
+                <a:satMod val="103000"/>
+                <a:tint val="73000"/>
+              </a:schemeClr>
+            </a:gs>
+            <a:gs pos="100000">
+              <a:schemeClr val="phClr">
+                <a:lumMod val="105000"/>
+                <a:satMod val="109000"/>
+                <a:tint val="81000"/>
+              </a:schemeClr>
+            </a:gs>
+          </a:gsLst>
+          <a:lin ang="5400000" scaled="0"/>
+        </a:gradFill>
+        <a:gradFill rotWithShape="1">
+          <a:gsLst>
+            <a:gs pos="0">
+              <a:schemeClr val="phClr">
+                <a:satMod val="103000"/>
+                <a:lumMod val="102000"/>
+                <a:tint val="94000"/>
+              </a:schemeClr>
+            </a:gs>
+            <a:gs pos="50000">
+              <a:schemeClr val="phClr">
+                <a:satMod val="110000"/>
+                <a:lumMod val="100000"/>
+                <a:shade val="100000"/>
+              </a:schemeClr>
+            </a:gs>
+            <a:gs pos="100000">
+              <a:schemeClr val="phClr">
+                <a:lumMod val="99000"/>
+                <a:satMod val="120000"/>
+                <a:shade val="78000"/>
+              </a:schemeClr>
+            </a:gs>
+          </a:gsLst>
+          <a:lin ang="5400000" scaled="0"/>
+        </a:gradFill>
+      </a:fillStyleLst>
+      <a:lnStyleLst>
+        <a:ln w="6350" cap="flat" cmpd="sng" algn="ctr">
+          <a:solidFill>
+            <a:schemeClr val="phClr"/>
+          </a:solidFill>
+          <a:prstDash val="solid"/>
+          <a:miter lim="800000"/>
+        </a:ln>
+        <a:ln w="12700" cap="flat" cmpd="sng" algn="ctr">
+          <a:solidFill>
+            <a:schemeClr val="phClr"/>
+          </a:solidFill>
+          <a:prstDash val="solid"/>
+          <a:miter lim="800000"/>
+        </a:ln>
+        <a:ln w="19050" cap="flat" cmpd="sng" algn="ctr">
+          <a:solidFill>
+            <a:schemeClr val="phClr"/>
+          </a:solidFill>
+          <a:prstDash val="solid"/>
+          <a:miter lim="800000"/>
+        </a:ln>
+      </a:lnStyleLst>
+      <a:effectStyleLst>
+        <a:effectStyle>
+          <a:effectLst/>
+        </a:effectStyle>
+        <a:effectStyle>
+          <a:effectLst/>
+        </a:effectStyle>
+        <a:effectStyle>
+          <a:effectLst>
+            <a:outerShdw blurRad="57150" dist="19050" dir="5400000" algn="ctr" rotWithShape="0">
+              <a:srgbClr val="000000">
+                <a:alpha val="63000"/>
+              </a:srgbClr>
+            </a:outerShdw>
+          </a:effectLst>
+        </a:effectStyle>
+      </a:effectStyleLst>
+      <a:bgFillStyleLst>
+        <a:solidFill>
+          <a:schemeClr val="phClr"/>
+        </a:solidFill>
+        <a:solidFill>
+          <a:schemeClr val="phClr">
+            <a:tint val="95000"/>
+            <a:satMod val="170000"/>
+          </a:schemeClr>
+        </a:solidFill>
+        <a:gradFill rotWithShape="1">
+          <a:gsLst>
+            <a:gs pos="0">
+              <a:schemeClr val="phClr">
+                <a:tint val="93000"/>
+                <a:satMod val="150000"/>
+                <a:shade val="98000"/>
+                <a:lumMod val="102000"/>
+              </a:schemeClr>
+            </a:gs>
+            <a:gs pos="50000">
+              <a:schemeClr val="phClr">
+                <a:tint val="98000"/>
+                <a:satMod val="130000"/>
+                <a:shade val="90000"/>
+                <a:lumMod val="103000"/>
+              </a:schemeClr>
+            </a:gs>
+            <a:gs pos="100000">
+              <a:schemeClr val="phClr">
+                <a:shade val="63000"/>
+                <a:satMod val="120000"/>
+              </a:schemeClr>
+            </a:gs>
+          </a:gsLst>
+          <a:lin ang="5400000" scaled="0"/>
+        </a:gradFill>
+      </a:bgFillStyleLst>
+    </a:fmtScheme>
+  </a:themeElements>
+  <a:objectDefaults/>
+  <a:extraClrSchemeLst/>
+  <a:extLst>
+    <a:ext uri="{05A4C25C-085E-4340-85A3-A5531E510DB2}">
+      <thm15:themeFamily xmlns:thm15="http://schemas.microsoft.com/office/thememl/2012/main" name="Office Theme" id="{62F939B6-93AF-4DB8-9C6B-D6C7DFDC589F}" vid="{4A3C46E8-61CC-4603-A589-7422A47A8E4A}"/>
+    </a:ext>
+  </a:extLst>
+</a:theme>
 </file>
--- a/Demo 1/Project Presentation.pptx
+++ b/Demo 1/Project Presentation.pptx
@@ -812,6 +812,90 @@
           <a:bodyPr/>
           <a:lstStyle/>
           <a:p>
+            <a:endParaRPr lang="en-US"/>
+          </a:p>
+        </p:txBody>
+      </p:sp>
+      <p:sp>
+        <p:nvSpPr>
+          <p:cNvPr id="4" name="Slide Number Placeholder 3"/>
+          <p:cNvSpPr>
+            <a:spLocks noGrp="1"/>
+          </p:cNvSpPr>
+          <p:nvPr>
+            <p:ph type="sldNum" sz="quarter" idx="5"/>
+          </p:nvPr>
+        </p:nvSpPr>
+        <p:spPr/>
+        <p:txBody>
+          <a:bodyPr/>
+          <a:lstStyle/>
+          <a:p>
+            <a:fld id="{623251B3-16B9-429B-80E1-A9463491F382}" type="slidenum">
+              <a:rPr lang="en-US" smtClean="0"/>
+              <a:t>3</a:t>
+            </a:fld>
+            <a:endParaRPr lang="en-US"/>
+          </a:p>
+        </p:txBody>
+      </p:sp>
+    </p:spTree>
+    <p:extLst>
+      <p:ext uri="{BB962C8B-B14F-4D97-AF65-F5344CB8AC3E}">
+        <p14:creationId xmlns:p14="http://schemas.microsoft.com/office/powerpoint/2010/main" val="2173648164"/>
+      </p:ext>
+    </p:extLst>
+  </p:cSld>
+  <p:clrMapOvr>
+    <a:masterClrMapping/>
+  </p:clrMapOvr>
+</p:notes>
+</file>
+
+<file path=ppt/notesSlides/notesSlide2.xml><?xml version="1.0" encoding="utf-8"?>
+<p:notes xmlns:a="http://schemas.openxmlformats.org/drawingml/2006/main" xmlns:r="http://schemas.openxmlformats.org/officeDocument/2006/relationships" xmlns:p="http://schemas.openxmlformats.org/presentationml/2006/main">
+  <p:cSld>
+    <p:spTree>
+      <p:nvGrpSpPr>
+        <p:cNvPr id="1" name=""/>
+        <p:cNvGrpSpPr/>
+        <p:nvPr/>
+      </p:nvGrpSpPr>
+      <p:grpSpPr>
+        <a:xfrm>
+          <a:off x="0" y="0"/>
+          <a:ext cx="0" cy="0"/>
+          <a:chOff x="0" y="0"/>
+          <a:chExt cx="0" cy="0"/>
+        </a:xfrm>
+      </p:grpSpPr>
+      <p:sp>
+        <p:nvSpPr>
+          <p:cNvPr id="2" name="Slide Image Placeholder 1"/>
+          <p:cNvSpPr>
+            <a:spLocks noGrp="1" noRot="1" noChangeAspect="1"/>
+          </p:cNvSpPr>
+          <p:nvPr>
+            <p:ph type="sldImg"/>
+          </p:nvPr>
+        </p:nvSpPr>
+        <p:spPr/>
+      </p:sp>
+      <p:sp>
+        <p:nvSpPr>
+          <p:cNvPr id="3" name="Notes Placeholder 2"/>
+          <p:cNvSpPr>
+            <a:spLocks noGrp="1"/>
+          </p:cNvSpPr>
+          <p:nvPr>
+            <p:ph type="body" idx="1"/>
+          </p:nvPr>
+        </p:nvSpPr>
+        <p:spPr/>
+        <p:txBody>
+          <a:bodyPr/>
+          <a:lstStyle/>
+          <a:p>
             <a:r>
               <a:rPr lang="en-US" dirty="0"/>
               <a:t>We use the </a:t>
@@ -7394,6 +7478,15 @@
 <file path=ppt/slides/slide7.xml><?xml version="1.0" encoding="utf-8"?>
 <p:sld xmlns:a="http://schemas.openxmlformats.org/drawingml/2006/main" xmlns:r="http://schemas.openxmlformats.org/officeDocument/2006/relationships" xmlns:p="http://schemas.openxmlformats.org/presentationml/2006/main">
   <p:cSld>
+    <p:bg>
+      <p:bgPr>
+        <a:blipFill>
+          <a:blip r:embed="rId2"/>
+          <a:stretch/>
+        </a:blipFill>
+        <a:effectLst/>
+      </p:bgPr>
+    </p:bg>
     <p:spTree>
       <p:nvGrpSpPr>
         <p:cNvPr id="1" name=""/>
@@ -7424,9 +7517,16 @@
             <p:ph type="title"/>
           </p:nvPr>
         </p:nvSpPr>
-        <p:spPr/>
-        <p:txBody>
-          <a:bodyPr/>
+        <p:spPr>
+          <a:xfrm>
+            <a:off x="825909" y="808055"/>
+            <a:ext cx="3979205" cy="1453363"/>
+          </a:xfrm>
+        </p:spPr>
+        <p:txBody>
+          <a:bodyPr>
+            <a:normAutofit/>
+          </a:bodyPr>
           <a:lstStyle/>
           <a:p>
             <a:r>
@@ -7453,15 +7553,110 @@
             <p:ph idx="1"/>
           </p:nvPr>
         </p:nvSpPr>
-        <p:spPr/>
-        <p:txBody>
-          <a:bodyPr/>
-          <a:lstStyle/>
-          <a:p>
-            <a:endParaRPr lang="en-US"/>
-          </a:p>
-        </p:txBody>
-      </p:sp>
+        <p:spPr>
+          <a:xfrm>
+            <a:off x="802178" y="2261420"/>
+            <a:ext cx="4002936" cy="3637935"/>
+          </a:xfrm>
+        </p:spPr>
+        <p:txBody>
+          <a:bodyPr>
+            <a:normAutofit/>
+          </a:bodyPr>
+          <a:lstStyle/>
+          <a:p>
+            <a:r>
+              <a:rPr lang="en-US" dirty="0"/>
+              <a:t>Sending data from Raspberry Pi to Arduino</a:t>
+            </a:r>
+          </a:p>
+          <a:p>
+            <a:r>
+              <a:rPr lang="en-US" dirty="0"/>
+              <a:t>I2C communication</a:t>
+            </a:r>
+          </a:p>
+          <a:p>
+            <a:r>
+              <a:rPr lang="en-US" dirty="0"/>
+              <a:t>Sending position or error of angles</a:t>
+            </a:r>
+          </a:p>
+          <a:p>
+            <a:r>
+              <a:rPr lang="en-US" dirty="0"/>
+              <a:t>LCD to display data such as position or angles</a:t>
+            </a:r>
+          </a:p>
+          <a:p>
+            <a:endParaRPr lang="en-US" dirty="0"/>
+          </a:p>
+        </p:txBody>
+      </p:sp>
+      <p:pic>
+        <p:nvPicPr>
+          <p:cNvPr id="5" name="Picture 4" descr="A picture containing text, scoreboard, clipart&#10;&#10;Description automatically generated">
+            <a:extLst>
+              <a:ext uri="{FF2B5EF4-FFF2-40B4-BE49-F238E27FC236}">
+                <a16:creationId xmlns:a16="http://schemas.microsoft.com/office/drawing/2014/main" id="{17AADB90-001F-4354-8782-8DCA99D2F0B0}"/>
+              </a:ext>
+            </a:extLst>
+          </p:cNvPr>
+          <p:cNvPicPr>
+            <a:picLocks noChangeAspect="1"/>
+          </p:cNvPicPr>
+          <p:nvPr/>
+        </p:nvPicPr>
+        <p:blipFill>
+          <a:blip r:embed="rId3">
+            <a:extLst>
+              <a:ext uri="{28A0092B-C50C-407E-A947-70E740481C1C}">
+                <a14:useLocalDpi xmlns:a14="http://schemas.microsoft.com/office/drawing/2010/main" val="0"/>
+              </a:ext>
+            </a:extLst>
+          </a:blip>
+          <a:stretch>
+            <a:fillRect/>
+          </a:stretch>
+        </p:blipFill>
+        <p:spPr>
+          <a:xfrm>
+            <a:off x="6381421" y="796413"/>
+            <a:ext cx="3912254" cy="5102943"/>
+          </a:xfrm>
+          <a:prstGeom prst="roundRect">
+            <a:avLst>
+              <a:gd name="adj" fmla="val 4380"/>
+            </a:avLst>
+          </a:prstGeom>
+          <a:ln w="50800" cap="sq" cmpd="dbl">
+            <a:gradFill flip="none" rotWithShape="1">
+              <a:gsLst>
+                <a:gs pos="0">
+                  <a:srgbClr val="FFFFFF"/>
+                </a:gs>
+                <a:gs pos="100000">
+                  <a:schemeClr val="tx1">
+                    <a:alpha val="0"/>
+                  </a:schemeClr>
+                </a:gs>
+              </a:gsLst>
+              <a:path path="circle">
+                <a:fillToRect l="50000" t="50000" r="50000" b="50000"/>
+              </a:path>
+              <a:tileRect/>
+            </a:gradFill>
+            <a:miter lim="800000"/>
+          </a:ln>
+          <a:effectLst>
+            <a:outerShdw blurRad="254000" algn="tl" rotWithShape="0">
+              <a:srgbClr val="000000">
+                <a:alpha val="43000"/>
+              </a:srgbClr>
+            </a:outerShdw>
+          </a:effectLst>
+        </p:spPr>
+      </p:pic>
     </p:spTree>
     <p:extLst>
       <p:ext uri="{BB962C8B-B14F-4D97-AF65-F5344CB8AC3E}">

--- a/Demo 1/Project Presentation.pptx
+++ b/Demo 1/Project Presentation.pptx
@@ -812,7 +812,24 @@
           <a:bodyPr/>
           <a:lstStyle/>
           <a:p>
-            <a:endParaRPr lang="en-US"/>
+            <a:r>
+              <a:rPr lang="en-US" dirty="0">
+                <a:effectLst/>
+                <a:latin typeface="Arial" panose="020B0604020202020204" pitchFamily="34" charset="0"/>
+              </a:rPr>
+              <a:t>Warehouse robots need to be able to follow appropriate paths in order to navigate around their workspace. We will design and build a robot that can follow a path defined by 1" wide blue painter’s tape. The robot must be able to keep its rotational center within 1 foot of the tape at all times. The path to be followed will be approximately as given by the image on the slide. The robot’s success will be determined by how far it is able to make it down the path, and the speed at</a:t>
+            </a:r>
+            <a:br>
+              <a:rPr lang="en-US" dirty="0"/>
+            </a:br>
+            <a:r>
+              <a:rPr lang="en-US" dirty="0">
+                <a:effectLst/>
+                <a:latin typeface="Arial" panose="020B0604020202020204" pitchFamily="34" charset="0"/>
+              </a:rPr>
+              <a:t>which it travels. Note that there is a break in the tape at (5,4). The robot will have to successfully pass over this break. The robot should stop when it reaches the crossed tape at (7,4)</a:t>
+            </a:r>
+            <a:endParaRPr lang="en-US" dirty="0"/>
           </a:p>
         </p:txBody>
       </p:sp>
@@ -833,7 +850,7 @@
           <a:p>
             <a:fld id="{623251B3-16B9-429B-80E1-A9463491F382}" type="slidenum">
               <a:rPr lang="en-US" smtClean="0"/>
-              <a:t>3</a:t>
+              <a:t>2</a:t>
             </a:fld>
             <a:endParaRPr lang="en-US"/>
           </a:p>
@@ -842,7 +859,7 @@
     </p:spTree>
     <p:extLst>
       <p:ext uri="{BB962C8B-B14F-4D97-AF65-F5344CB8AC3E}">
-        <p14:creationId xmlns:p14="http://schemas.microsoft.com/office/powerpoint/2010/main" val="2173648164"/>
+        <p14:creationId xmlns:p14="http://schemas.microsoft.com/office/powerpoint/2010/main" val="159795701"/>
       </p:ext>
     </p:extLst>
   </p:cSld>
@@ -896,6 +913,90 @@
           <a:bodyPr/>
           <a:lstStyle/>
           <a:p>
+            <a:endParaRPr lang="en-US"/>
+          </a:p>
+        </p:txBody>
+      </p:sp>
+      <p:sp>
+        <p:nvSpPr>
+          <p:cNvPr id="4" name="Slide Number Placeholder 3"/>
+          <p:cNvSpPr>
+            <a:spLocks noGrp="1"/>
+          </p:cNvSpPr>
+          <p:nvPr>
+            <p:ph type="sldNum" sz="quarter" idx="5"/>
+          </p:nvPr>
+        </p:nvSpPr>
+        <p:spPr/>
+        <p:txBody>
+          <a:bodyPr/>
+          <a:lstStyle/>
+          <a:p>
+            <a:fld id="{623251B3-16B9-429B-80E1-A9463491F382}" type="slidenum">
+              <a:rPr lang="en-US" smtClean="0"/>
+              <a:t>3</a:t>
+            </a:fld>
+            <a:endParaRPr lang="en-US"/>
+          </a:p>
+        </p:txBody>
+      </p:sp>
+    </p:spTree>
+    <p:extLst>
+      <p:ext uri="{BB962C8B-B14F-4D97-AF65-F5344CB8AC3E}">
+        <p14:creationId xmlns:p14="http://schemas.microsoft.com/office/powerpoint/2010/main" val="2173648164"/>
+      </p:ext>
+    </p:extLst>
+  </p:cSld>
+  <p:clrMapOvr>
+    <a:masterClrMapping/>
+  </p:clrMapOvr>
+</p:notes>
+</file>
+
+<file path=ppt/notesSlides/notesSlide3.xml><?xml version="1.0" encoding="utf-8"?>
+<p:notes xmlns:a="http://schemas.openxmlformats.org/drawingml/2006/main" xmlns:r="http://schemas.openxmlformats.org/officeDocument/2006/relationships" xmlns:p="http://schemas.openxmlformats.org/presentationml/2006/main">
+  <p:cSld>
+    <p:spTree>
+      <p:nvGrpSpPr>
+        <p:cNvPr id="1" name=""/>
+        <p:cNvGrpSpPr/>
+        <p:nvPr/>
+      </p:nvGrpSpPr>
+      <p:grpSpPr>
+        <a:xfrm>
+          <a:off x="0" y="0"/>
+          <a:ext cx="0" cy="0"/>
+          <a:chOff x="0" y="0"/>
+          <a:chExt cx="0" cy="0"/>
+        </a:xfrm>
+      </p:grpSpPr>
+      <p:sp>
+        <p:nvSpPr>
+          <p:cNvPr id="2" name="Slide Image Placeholder 1"/>
+          <p:cNvSpPr>
+            <a:spLocks noGrp="1" noRot="1" noChangeAspect="1"/>
+          </p:cNvSpPr>
+          <p:nvPr>
+            <p:ph type="sldImg"/>
+          </p:nvPr>
+        </p:nvSpPr>
+        <p:spPr/>
+      </p:sp>
+      <p:sp>
+        <p:nvSpPr>
+          <p:cNvPr id="3" name="Notes Placeholder 2"/>
+          <p:cNvSpPr>
+            <a:spLocks noGrp="1"/>
+          </p:cNvSpPr>
+          <p:nvPr>
+            <p:ph type="body" idx="1"/>
+          </p:nvPr>
+        </p:nvSpPr>
+        <p:spPr/>
+        <p:txBody>
+          <a:bodyPr/>
+          <a:lstStyle/>
+          <a:p>
             <a:r>
               <a:rPr lang="en-US" dirty="0"/>
               <a:t>We use the </a:t>
@@ -995,6 +1096,93 @@
     <p:extLst>
       <p:ext uri="{BB962C8B-B14F-4D97-AF65-F5344CB8AC3E}">
         <p14:creationId xmlns:p14="http://schemas.microsoft.com/office/powerpoint/2010/main" val="3947180218"/>
+      </p:ext>
+    </p:extLst>
+  </p:cSld>
+  <p:clrMapOvr>
+    <a:masterClrMapping/>
+  </p:clrMapOvr>
+</p:notes>
+</file>
+
+<file path=ppt/notesSlides/notesSlide4.xml><?xml version="1.0" encoding="utf-8"?>
+<p:notes xmlns:a="http://schemas.openxmlformats.org/drawingml/2006/main" xmlns:r="http://schemas.openxmlformats.org/officeDocument/2006/relationships" xmlns:p="http://schemas.openxmlformats.org/presentationml/2006/main">
+  <p:cSld>
+    <p:spTree>
+      <p:nvGrpSpPr>
+        <p:cNvPr id="1" name=""/>
+        <p:cNvGrpSpPr/>
+        <p:nvPr/>
+      </p:nvGrpSpPr>
+      <p:grpSpPr>
+        <a:xfrm>
+          <a:off x="0" y="0"/>
+          <a:ext cx="0" cy="0"/>
+          <a:chOff x="0" y="0"/>
+          <a:chExt cx="0" cy="0"/>
+        </a:xfrm>
+      </p:grpSpPr>
+      <p:sp>
+        <p:nvSpPr>
+          <p:cNvPr id="2" name="Slide Image Placeholder 1"/>
+          <p:cNvSpPr>
+            <a:spLocks noGrp="1" noRot="1" noChangeAspect="1"/>
+          </p:cNvSpPr>
+          <p:nvPr>
+            <p:ph type="sldImg"/>
+          </p:nvPr>
+        </p:nvSpPr>
+        <p:spPr/>
+      </p:sp>
+      <p:sp>
+        <p:nvSpPr>
+          <p:cNvPr id="3" name="Notes Placeholder 2"/>
+          <p:cNvSpPr>
+            <a:spLocks noGrp="1"/>
+          </p:cNvSpPr>
+          <p:nvPr>
+            <p:ph type="body" idx="1"/>
+          </p:nvPr>
+        </p:nvSpPr>
+        <p:spPr/>
+        <p:txBody>
+          <a:bodyPr/>
+          <a:lstStyle/>
+          <a:p>
+            <a:r>
+              <a:rPr lang="en-US" dirty="0"/>
+              <a:t>To make the robot able to interact with the world and get real time feedback we use OpenCV to implement our computer vision. The first step is to start recording video. As the video is recorded each frame has a distortion calibration matrix run on it to remove any fish eye effects the camera might have. After that, a specific color is filtered out of the image (the blue for the tape that is to be followed) and then noise reduction is done. From there the remaining contours of the image are found. The largest contour is assumed to be the tape that needs to be followed and so the angle of that largest contour away from the center of the screen is found to tell the robot what direction to turn and by how much.</a:t>
+            </a:r>
+          </a:p>
+        </p:txBody>
+      </p:sp>
+      <p:sp>
+        <p:nvSpPr>
+          <p:cNvPr id="4" name="Slide Number Placeholder 3"/>
+          <p:cNvSpPr>
+            <a:spLocks noGrp="1"/>
+          </p:cNvSpPr>
+          <p:nvPr>
+            <p:ph type="sldNum" sz="quarter" idx="5"/>
+          </p:nvPr>
+        </p:nvSpPr>
+        <p:spPr/>
+        <p:txBody>
+          <a:bodyPr/>
+          <a:lstStyle/>
+          <a:p>
+            <a:fld id="{623251B3-16B9-429B-80E1-A9463491F382}" type="slidenum">
+              <a:rPr lang="en-US" smtClean="0"/>
+              <a:t>6</a:t>
+            </a:fld>
+            <a:endParaRPr lang="en-US"/>
+          </a:p>
+        </p:txBody>
+      </p:sp>
+    </p:spTree>
+    <p:extLst>
+      <p:ext uri="{BB962C8B-B14F-4D97-AF65-F5344CB8AC3E}">
+        <p14:creationId xmlns:p14="http://schemas.microsoft.com/office/powerpoint/2010/main" val="3398530726"/>
       </p:ext>
     </p:extLst>
   </p:cSld>
@@ -6913,6 +7101,74 @@
           </a:p>
         </p:txBody>
       </p:sp>
+      <p:pic>
+        <p:nvPicPr>
+          <p:cNvPr id="5" name="Picture 4">
+            <a:extLst>
+              <a:ext uri="{FF2B5EF4-FFF2-40B4-BE49-F238E27FC236}">
+                <a16:creationId xmlns:a16="http://schemas.microsoft.com/office/drawing/2014/main" id="{482CBE9F-0E9F-4CAE-A18E-848EE8F940D1}"/>
+              </a:ext>
+            </a:extLst>
+          </p:cNvPr>
+          <p:cNvPicPr>
+            <a:picLocks noChangeAspect="1"/>
+          </p:cNvPicPr>
+          <p:nvPr/>
+        </p:nvPicPr>
+        <p:blipFill>
+          <a:blip r:embed="rId5"/>
+          <a:stretch>
+            <a:fillRect/>
+          </a:stretch>
+        </p:blipFill>
+        <p:spPr>
+          <a:xfrm>
+            <a:off x="5493895" y="1075667"/>
+            <a:ext cx="6335009" cy="4715533"/>
+          </a:xfrm>
+          <a:prstGeom prst="rect">
+            <a:avLst/>
+          </a:prstGeom>
+        </p:spPr>
+      </p:pic>
+      <p:pic>
+        <p:nvPicPr>
+          <p:cNvPr id="6" name="Recorded Sound">
+            <a:hlinkClick r:id="" action="ppaction://media"/>
+            <a:extLst>
+              <a:ext uri="{FF2B5EF4-FFF2-40B4-BE49-F238E27FC236}">
+                <a16:creationId xmlns:a16="http://schemas.microsoft.com/office/drawing/2014/main" id="{8E7346AE-2D8B-4BBD-8AAA-22958B521941}"/>
+              </a:ext>
+            </a:extLst>
+          </p:cNvPr>
+          <p:cNvPicPr>
+            <a:picLocks noChangeAspect="1"/>
+          </p:cNvPicPr>
+          <p:nvPr>
+            <a:audioFile r:link="rId2"/>
+            <p:extLst>
+              <p:ext uri="{DAA4B4D4-6D71-4841-9C94-3DE7FCFB9230}">
+                <p14:media xmlns:p14="http://schemas.microsoft.com/office/powerpoint/2010/main" r:embed="rId1"/>
+              </p:ext>
+            </p:extLst>
+          </p:nvPr>
+        </p:nvPicPr>
+        <p:blipFill>
+          <a:blip r:embed="rId6"/>
+          <a:stretch>
+            <a:fillRect/>
+          </a:stretch>
+        </p:blipFill>
+        <p:spPr>
+          <a:xfrm>
+            <a:off x="685801" y="5664200"/>
+            <a:ext cx="609600" cy="609600"/>
+          </a:xfrm>
+          <a:prstGeom prst="rect">
+            <a:avLst/>
+          </a:prstGeom>
+        </p:spPr>
+      </p:pic>
     </p:spTree>
     <p:extLst>
       <p:ext uri="{BB962C8B-B14F-4D97-AF65-F5344CB8AC3E}">
@@ -6923,6 +7179,101 @@
   <p:clrMapOvr>
     <a:masterClrMapping/>
   </p:clrMapOvr>
+  <mc:AlternateContent xmlns:mc="http://schemas.openxmlformats.org/markup-compatibility/2006">
+    <mc:Choice xmlns:p14="http://schemas.microsoft.com/office/powerpoint/2010/main" Requires="p14">
+      <p:transition spd="slow" p14:dur="2000" advTm="36414"/>
+    </mc:Choice>
+    <mc:Fallback>
+      <p:transition spd="slow" advTm="36414"/>
+    </mc:Fallback>
+  </mc:AlternateContent>
+  <p:timing>
+    <p:tnLst>
+      <p:par>
+        <p:cTn id="1" dur="indefinite" restart="never" nodeType="tmRoot">
+          <p:childTnLst>
+            <p:seq concurrent="1" nextAc="seek">
+              <p:cTn id="2" dur="indefinite" nodeType="mainSeq">
+                <p:childTnLst>
+                  <p:par>
+                    <p:cTn id="3" fill="hold">
+                      <p:stCondLst>
+                        <p:cond delay="indefinite"/>
+                        <p:cond evt="onBegin" delay="0">
+                          <p:tn val="2"/>
+                        </p:cond>
+                      </p:stCondLst>
+                      <p:childTnLst>
+                        <p:par>
+                          <p:cTn id="4" fill="hold">
+                            <p:stCondLst>
+                              <p:cond delay="0"/>
+                            </p:stCondLst>
+                            <p:childTnLst>
+                              <p:par>
+                                <p:cTn id="5" presetID="1" presetClass="mediacall" presetSubtype="0" fill="hold" nodeType="afterEffect">
+                                  <p:stCondLst>
+                                    <p:cond delay="0"/>
+                                  </p:stCondLst>
+                                  <p:childTnLst>
+                                    <p:cmd type="call" cmd="playFrom(0.0)">
+                                      <p:cBhvr>
+                                        <p:cTn id="6" dur="36414" fill="hold"/>
+                                        <p:tgtEl>
+                                          <p:spTgt spid="6"/>
+                                        </p:tgtEl>
+                                      </p:cBhvr>
+                                    </p:cmd>
+                                  </p:childTnLst>
+                                </p:cTn>
+                              </p:par>
+                            </p:childTnLst>
+                          </p:cTn>
+                        </p:par>
+                      </p:childTnLst>
+                    </p:cTn>
+                  </p:par>
+                </p:childTnLst>
+              </p:cTn>
+              <p:prevCondLst>
+                <p:cond evt="onPrev" delay="0">
+                  <p:tgtEl>
+                    <p:sldTgt/>
+                  </p:tgtEl>
+                </p:cond>
+              </p:prevCondLst>
+              <p:nextCondLst>
+                <p:cond evt="onNext" delay="0">
+                  <p:tgtEl>
+                    <p:sldTgt/>
+                  </p:tgtEl>
+                </p:cond>
+              </p:nextCondLst>
+            </p:seq>
+            <p:audio>
+              <p:cMediaNode vol="80000">
+                <p:cTn id="7" fill="hold" display="0">
+                  <p:stCondLst>
+                    <p:cond delay="indefinite"/>
+                  </p:stCondLst>
+                  <p:endCondLst>
+                    <p:cond evt="onStopAudio" delay="0">
+                      <p:tgtEl>
+                        <p:sldTgt/>
+                      </p:tgtEl>
+                    </p:cond>
+                  </p:endCondLst>
+                </p:cTn>
+                <p:tgtEl>
+                  <p:spTgt spid="6"/>
+                </p:tgtEl>
+              </p:cMediaNode>
+            </p:audio>
+          </p:childTnLst>
+        </p:cTn>
+      </p:par>
+    </p:tnLst>
+  </p:timing>
 </p:sld>
 </file>
 
@@ -7011,6 +7362,44 @@
           </a:p>
         </p:txBody>
       </p:sp>
+      <p:pic>
+        <p:nvPicPr>
+          <p:cNvPr id="4" name="Recorded Sound">
+            <a:hlinkClick r:id="" action="ppaction://media"/>
+            <a:extLst>
+              <a:ext uri="{FF2B5EF4-FFF2-40B4-BE49-F238E27FC236}">
+                <a16:creationId xmlns:a16="http://schemas.microsoft.com/office/drawing/2014/main" id="{97C60A36-DF91-4CDC-AEA9-1C45B15C145A}"/>
+              </a:ext>
+            </a:extLst>
+          </p:cNvPr>
+          <p:cNvPicPr>
+            <a:picLocks noChangeAspect="1"/>
+          </p:cNvPicPr>
+          <p:nvPr>
+            <a:audioFile r:link="rId2"/>
+            <p:extLst>
+              <p:ext uri="{DAA4B4D4-6D71-4841-9C94-3DE7FCFB9230}">
+                <p14:media xmlns:p14="http://schemas.microsoft.com/office/powerpoint/2010/main" r:embed="rId1"/>
+              </p:ext>
+            </p:extLst>
+          </p:nvPr>
+        </p:nvPicPr>
+        <p:blipFill>
+          <a:blip r:embed="rId5"/>
+          <a:stretch>
+            <a:fillRect/>
+          </a:stretch>
+        </p:blipFill>
+        <p:spPr>
+          <a:xfrm>
+            <a:off x="765174" y="4991100"/>
+            <a:ext cx="609600" cy="609600"/>
+          </a:xfrm>
+          <a:prstGeom prst="rect">
+            <a:avLst/>
+          </a:prstGeom>
+        </p:spPr>
+      </p:pic>
     </p:spTree>
     <p:extLst>
       <p:ext uri="{BB962C8B-B14F-4D97-AF65-F5344CB8AC3E}">
@@ -7021,6 +7410,101 @@
   <p:clrMapOvr>
     <a:masterClrMapping/>
   </p:clrMapOvr>
+  <mc:AlternateContent xmlns:mc="http://schemas.openxmlformats.org/markup-compatibility/2006">
+    <mc:Choice xmlns:p14="http://schemas.microsoft.com/office/powerpoint/2010/main" Requires="p14">
+      <p:transition spd="slow" p14:dur="2000" advTm="17359"/>
+    </mc:Choice>
+    <mc:Fallback>
+      <p:transition spd="slow" advTm="17359"/>
+    </mc:Fallback>
+  </mc:AlternateContent>
+  <p:timing>
+    <p:tnLst>
+      <p:par>
+        <p:cTn id="1" dur="indefinite" restart="never" nodeType="tmRoot">
+          <p:childTnLst>
+            <p:seq concurrent="1" nextAc="seek">
+              <p:cTn id="2" dur="indefinite" nodeType="mainSeq">
+                <p:childTnLst>
+                  <p:par>
+                    <p:cTn id="3" fill="hold">
+                      <p:stCondLst>
+                        <p:cond delay="indefinite"/>
+                        <p:cond evt="onBegin" delay="0">
+                          <p:tn val="2"/>
+                        </p:cond>
+                      </p:stCondLst>
+                      <p:childTnLst>
+                        <p:par>
+                          <p:cTn id="4" fill="hold">
+                            <p:stCondLst>
+                              <p:cond delay="0"/>
+                            </p:stCondLst>
+                            <p:childTnLst>
+                              <p:par>
+                                <p:cTn id="5" presetID="1" presetClass="mediacall" presetSubtype="0" fill="hold" nodeType="afterEffect">
+                                  <p:stCondLst>
+                                    <p:cond delay="0"/>
+                                  </p:stCondLst>
+                                  <p:childTnLst>
+                                    <p:cmd type="call" cmd="playFrom(0.0)">
+                                      <p:cBhvr>
+                                        <p:cTn id="6" dur="17359" fill="hold"/>
+                                        <p:tgtEl>
+                                          <p:spTgt spid="4"/>
+                                        </p:tgtEl>
+                                      </p:cBhvr>
+                                    </p:cmd>
+                                  </p:childTnLst>
+                                </p:cTn>
+                              </p:par>
+                            </p:childTnLst>
+                          </p:cTn>
+                        </p:par>
+                      </p:childTnLst>
+                    </p:cTn>
+                  </p:par>
+                </p:childTnLst>
+              </p:cTn>
+              <p:prevCondLst>
+                <p:cond evt="onPrev" delay="0">
+                  <p:tgtEl>
+                    <p:sldTgt/>
+                  </p:tgtEl>
+                </p:cond>
+              </p:prevCondLst>
+              <p:nextCondLst>
+                <p:cond evt="onNext" delay="0">
+                  <p:tgtEl>
+                    <p:sldTgt/>
+                  </p:tgtEl>
+                </p:cond>
+              </p:nextCondLst>
+            </p:seq>
+            <p:audio>
+              <p:cMediaNode vol="80000">
+                <p:cTn id="7" fill="hold" display="0">
+                  <p:stCondLst>
+                    <p:cond delay="indefinite"/>
+                  </p:stCondLst>
+                  <p:endCondLst>
+                    <p:cond evt="onStopAudio" delay="0">
+                      <p:tgtEl>
+                        <p:sldTgt/>
+                      </p:tgtEl>
+                    </p:cond>
+                  </p:endCondLst>
+                </p:cTn>
+                <p:tgtEl>
+                  <p:spTgt spid="4"/>
+                </p:tgtEl>
+              </p:cMediaNode>
+            </p:audio>
+          </p:childTnLst>
+        </p:cTn>
+      </p:par>
+    </p:tnLst>
+  </p:timing>
 </p:sld>
 </file>
 
@@ -7359,13 +7843,19 @@
           <a:p>
             <a:r>
               <a:rPr lang="en-US" dirty="0"/>
+              <a:t>Distortion Correction</a:t>
+            </a:r>
+          </a:p>
+          <a:p>
+            <a:r>
+              <a:rPr lang="en-US" dirty="0"/>
               <a:t>Color filtering</a:t>
             </a:r>
           </a:p>
           <a:p>
             <a:r>
               <a:rPr lang="en-US" dirty="0"/>
-              <a:t>Distortion Correction</a:t>
+              <a:t>Noise Reduction</a:t>
             </a:r>
           </a:p>
           <a:p>
@@ -7378,12 +7868,6 @@
             <a:r>
               <a:rPr lang="en-US" dirty="0"/>
               <a:t>Angle detection</a:t>
-            </a:r>
-          </a:p>
-          <a:p>
-            <a:r>
-              <a:rPr lang="en-US" dirty="0"/>
-              <a:t>Noise Reduction</a:t>
             </a:r>
           </a:p>
           <a:p>
@@ -7406,7 +7890,7 @@
           <p:nvPr/>
         </p:nvPicPr>
         <p:blipFill>
-          <a:blip r:embed="rId2">
+          <a:blip r:embed="rId5">
             <a:extLst>
               <a:ext uri="{28A0092B-C50C-407E-A947-70E740481C1C}">
                 <a14:useLocalDpi xmlns:a14="http://schemas.microsoft.com/office/drawing/2010/main" val="0"/>
@@ -7442,7 +7926,7 @@
           <p:nvPr/>
         </p:nvPicPr>
         <p:blipFill rotWithShape="1">
-          <a:blip r:embed="rId3">
+          <a:blip r:embed="rId6">
             <a:extLst>
               <a:ext uri="{28A0092B-C50C-407E-A947-70E740481C1C}">
                 <a14:useLocalDpi xmlns:a14="http://schemas.microsoft.com/office/drawing/2010/main" val="0"/>
@@ -7462,6 +7946,44 @@
           </a:prstGeom>
         </p:spPr>
       </p:pic>
+      <p:pic>
+        <p:nvPicPr>
+          <p:cNvPr id="6" name="CV Slide">
+            <a:hlinkClick r:id="" action="ppaction://media"/>
+            <a:extLst>
+              <a:ext uri="{FF2B5EF4-FFF2-40B4-BE49-F238E27FC236}">
+                <a16:creationId xmlns:a16="http://schemas.microsoft.com/office/drawing/2014/main" id="{581B93FA-D104-43B6-8444-FFDE8816B29E}"/>
+              </a:ext>
+            </a:extLst>
+          </p:cNvPr>
+          <p:cNvPicPr>
+            <a:picLocks noChangeAspect="1"/>
+          </p:cNvPicPr>
+          <p:nvPr>
+            <a:audioFile r:link="rId2"/>
+            <p:extLst>
+              <p:ext uri="{DAA4B4D4-6D71-4841-9C94-3DE7FCFB9230}">
+                <p14:media xmlns:p14="http://schemas.microsoft.com/office/powerpoint/2010/main" r:embed="rId1"/>
+              </p:ext>
+            </p:extLst>
+          </p:nvPr>
+        </p:nvPicPr>
+        <p:blipFill>
+          <a:blip r:embed="rId7"/>
+          <a:stretch>
+            <a:fillRect/>
+          </a:stretch>
+        </p:blipFill>
+        <p:spPr>
+          <a:xfrm>
+            <a:off x="1145750" y="5397500"/>
+            <a:ext cx="609600" cy="609600"/>
+          </a:xfrm>
+          <a:prstGeom prst="rect">
+            <a:avLst/>
+          </a:prstGeom>
+        </p:spPr>
+      </p:pic>
     </p:spTree>
     <p:extLst>
       <p:ext uri="{BB962C8B-B14F-4D97-AF65-F5344CB8AC3E}">
@@ -7472,6 +7994,101 @@
   <p:clrMapOvr>
     <a:masterClrMapping/>
   </p:clrMapOvr>
+  <mc:AlternateContent xmlns:mc="http://schemas.openxmlformats.org/markup-compatibility/2006" xmlns:p14="http://schemas.microsoft.com/office/powerpoint/2010/main">
+    <mc:Choice Requires="p14">
+      <p:transition spd="slow" p14:dur="2000" advTm="40782"/>
+    </mc:Choice>
+    <mc:Fallback xmlns="">
+      <p:transition spd="slow" advTm="40782"/>
+    </mc:Fallback>
+  </mc:AlternateContent>
+  <p:timing>
+    <p:tnLst>
+      <p:par>
+        <p:cTn id="1" dur="indefinite" restart="never" nodeType="tmRoot">
+          <p:childTnLst>
+            <p:seq concurrent="1" nextAc="seek">
+              <p:cTn id="2" dur="indefinite" nodeType="mainSeq">
+                <p:childTnLst>
+                  <p:par>
+                    <p:cTn id="3" fill="hold">
+                      <p:stCondLst>
+                        <p:cond delay="indefinite"/>
+                        <p:cond evt="onBegin" delay="0">
+                          <p:tn val="2"/>
+                        </p:cond>
+                      </p:stCondLst>
+                      <p:childTnLst>
+                        <p:par>
+                          <p:cTn id="4" fill="hold">
+                            <p:stCondLst>
+                              <p:cond delay="0"/>
+                            </p:stCondLst>
+                            <p:childTnLst>
+                              <p:par>
+                                <p:cTn id="5" presetID="1" presetClass="mediacall" presetSubtype="0" fill="hold" nodeType="afterEffect">
+                                  <p:stCondLst>
+                                    <p:cond delay="0"/>
+                                  </p:stCondLst>
+                                  <p:childTnLst>
+                                    <p:cmd type="call" cmd="playFrom(0.0)">
+                                      <p:cBhvr>
+                                        <p:cTn id="6" dur="40782" fill="hold"/>
+                                        <p:tgtEl>
+                                          <p:spTgt spid="6"/>
+                                        </p:tgtEl>
+                                      </p:cBhvr>
+                                    </p:cmd>
+                                  </p:childTnLst>
+                                </p:cTn>
+                              </p:par>
+                            </p:childTnLst>
+                          </p:cTn>
+                        </p:par>
+                      </p:childTnLst>
+                    </p:cTn>
+                  </p:par>
+                </p:childTnLst>
+              </p:cTn>
+              <p:prevCondLst>
+                <p:cond evt="onPrev" delay="0">
+                  <p:tgtEl>
+                    <p:sldTgt/>
+                  </p:tgtEl>
+                </p:cond>
+              </p:prevCondLst>
+              <p:nextCondLst>
+                <p:cond evt="onNext" delay="0">
+                  <p:tgtEl>
+                    <p:sldTgt/>
+                  </p:tgtEl>
+                </p:cond>
+              </p:nextCondLst>
+            </p:seq>
+            <p:audio>
+              <p:cMediaNode vol="100000">
+                <p:cTn id="7" fill="hold" display="0">
+                  <p:stCondLst>
+                    <p:cond delay="indefinite"/>
+                  </p:stCondLst>
+                  <p:endCondLst>
+                    <p:cond evt="onStopAudio" delay="0">
+                      <p:tgtEl>
+                        <p:sldTgt/>
+                      </p:tgtEl>
+                    </p:cond>
+                  </p:endCondLst>
+                </p:cTn>
+                <p:tgtEl>
+                  <p:spTgt spid="6"/>
+                </p:tgtEl>
+              </p:cMediaNode>
+            </p:audio>
+          </p:childTnLst>
+        </p:cTn>
+      </p:par>
+    </p:tnLst>
+  </p:timing>
 </p:sld>
 </file>
 
@@ -7667,6 +8284,14 @@
   <p:clrMapOvr>
     <a:masterClrMapping/>
   </p:clrMapOvr>
+  <mc:AlternateContent xmlns:mc="http://schemas.openxmlformats.org/markup-compatibility/2006" xmlns:p14="http://schemas.microsoft.com/office/powerpoint/2010/main">
+    <mc:Choice Requires="p14">
+      <p:transition spd="slow" p14:dur="2000" advTm="4585"/>
+    </mc:Choice>
+    <mc:Fallback xmlns="">
+      <p:transition spd="slow" advTm="4585"/>
+    </mc:Fallback>
+  </mc:AlternateContent>
 </p:sld>
 </file>
 
